--- a/Predstavitve/Praktikum II - Skupina 7 - Teden 1.pptx
+++ b/Predstavitve/Praktikum II - Skupina 7 - Teden 1.pptx
@@ -23,14 +23,14 @@
   <p:notesSz cx="6858000" cy="9144000"/>
   <p:embeddedFontLst>
     <p:embeddedFont>
-      <p:font typeface="Lato" panose="020B0604020202020204" charset="-18"/>
+      <p:font typeface="Lato" panose="020B0604020202020204" charset="0"/>
       <p:regular r:id="rId13"/>
       <p:bold r:id="rId14"/>
       <p:italic r:id="rId15"/>
       <p:boldItalic r:id="rId16"/>
     </p:embeddedFont>
     <p:embeddedFont>
-      <p:font typeface="Raleway" panose="020B0604020202020204" charset="-18"/>
+      <p:font typeface="Raleway" panose="020B0604020202020204" charset="0"/>
       <p:regular r:id="rId17"/>
       <p:bold r:id="rId18"/>
       <p:italic r:id="rId19"/>
@@ -8665,6 +8665,22 @@
               <a:rPr lang="sl-SI" sz="1600" dirty="0"/>
               <a:t>E-R diagram</a:t>
             </a:r>
+          </a:p>
+          <a:p>
+            <a:pPr marL="457200" lvl="0" indent="-330200">
+              <a:spcBef>
+                <a:spcPts val="1600"/>
+              </a:spcBef>
+              <a:spcAft>
+                <a:spcPts val="0"/>
+              </a:spcAft>
+              <a:buSzPts val="1600"/>
+              <a:buChar char="●"/>
+            </a:pPr>
+            <a:r>
+              <a:rPr lang="sl-SI" sz="1600" dirty="0" err="1"/>
+              <a:t>login</a:t>
+            </a:r>
             <a:endParaRPr sz="1600" dirty="0"/>
           </a:p>
         </p:txBody>
